--- a/Java Collection.pptx
+++ b/Java Collection.pptx
@@ -227,7 +227,7 @@
           <a:p>
             <a:fld id="{9802FC7A-4949-4FFB-BCE4-98861F82AA30}" type="datetimeFigureOut">
               <a:rPr lang="en-US" smtClean="0"/>
-              <a:t>10/14/16</a:t>
+              <a:t>11/18/16</a:t>
             </a:fld>
             <a:endParaRPr lang="en-US"/>
           </a:p>
@@ -765,7 +765,7 @@
             <a:fld id="{B278104C-11C0-4E08-B957-567B84792C63}" type="datetimeFigureOut">
               <a:rPr lang="en-US" smtClean="0"/>
               <a:pPr/>
-              <a:t>10/14/16</a:t>
+              <a:t>11/18/16</a:t>
             </a:fld>
             <a:endParaRPr lang="en-US"/>
           </a:p>
@@ -932,7 +932,7 @@
             <a:fld id="{B278104C-11C0-4E08-B957-567B84792C63}" type="datetimeFigureOut">
               <a:rPr lang="en-US" smtClean="0"/>
               <a:pPr/>
-              <a:t>10/14/16</a:t>
+              <a:t>11/18/16</a:t>
             </a:fld>
             <a:endParaRPr lang="en-US"/>
           </a:p>
@@ -1109,7 +1109,7 @@
             <a:fld id="{B278104C-11C0-4E08-B957-567B84792C63}" type="datetimeFigureOut">
               <a:rPr lang="en-US" smtClean="0"/>
               <a:pPr/>
-              <a:t>10/14/16</a:t>
+              <a:t>11/18/16</a:t>
             </a:fld>
             <a:endParaRPr lang="en-US"/>
           </a:p>
@@ -1276,7 +1276,7 @@
             <a:fld id="{B278104C-11C0-4E08-B957-567B84792C63}" type="datetimeFigureOut">
               <a:rPr lang="en-US" smtClean="0"/>
               <a:pPr/>
-              <a:t>10/14/16</a:t>
+              <a:t>11/18/16</a:t>
             </a:fld>
             <a:endParaRPr lang="en-US"/>
           </a:p>
@@ -1519,7 +1519,7 @@
             <a:fld id="{B278104C-11C0-4E08-B957-567B84792C63}" type="datetimeFigureOut">
               <a:rPr lang="en-US" smtClean="0"/>
               <a:pPr/>
-              <a:t>10/14/16</a:t>
+              <a:t>11/18/16</a:t>
             </a:fld>
             <a:endParaRPr lang="en-US"/>
           </a:p>
@@ -1804,7 +1804,7 @@
             <a:fld id="{B278104C-11C0-4E08-B957-567B84792C63}" type="datetimeFigureOut">
               <a:rPr lang="en-US" smtClean="0"/>
               <a:pPr/>
-              <a:t>10/14/16</a:t>
+              <a:t>11/18/16</a:t>
             </a:fld>
             <a:endParaRPr lang="en-US"/>
           </a:p>
@@ -2223,7 +2223,7 @@
             <a:fld id="{B278104C-11C0-4E08-B957-567B84792C63}" type="datetimeFigureOut">
               <a:rPr lang="en-US" smtClean="0"/>
               <a:pPr/>
-              <a:t>10/14/16</a:t>
+              <a:t>11/18/16</a:t>
             </a:fld>
             <a:endParaRPr lang="en-US"/>
           </a:p>
@@ -2338,7 +2338,7 @@
             <a:fld id="{B278104C-11C0-4E08-B957-567B84792C63}" type="datetimeFigureOut">
               <a:rPr lang="en-US" smtClean="0"/>
               <a:pPr/>
-              <a:t>10/14/16</a:t>
+              <a:t>11/18/16</a:t>
             </a:fld>
             <a:endParaRPr lang="en-US"/>
           </a:p>
@@ -2430,7 +2430,7 @@
             <a:fld id="{B278104C-11C0-4E08-B957-567B84792C63}" type="datetimeFigureOut">
               <a:rPr lang="en-US" smtClean="0"/>
               <a:pPr/>
-              <a:t>10/14/16</a:t>
+              <a:t>11/18/16</a:t>
             </a:fld>
             <a:endParaRPr lang="en-US"/>
           </a:p>
@@ -2704,7 +2704,7 @@
             <a:fld id="{B278104C-11C0-4E08-B957-567B84792C63}" type="datetimeFigureOut">
               <a:rPr lang="en-US" smtClean="0"/>
               <a:pPr/>
-              <a:t>10/14/16</a:t>
+              <a:t>11/18/16</a:t>
             </a:fld>
             <a:endParaRPr lang="en-US"/>
           </a:p>
@@ -2954,7 +2954,7 @@
             <a:fld id="{B278104C-11C0-4E08-B957-567B84792C63}" type="datetimeFigureOut">
               <a:rPr lang="en-US" smtClean="0"/>
               <a:pPr/>
-              <a:t>10/14/16</a:t>
+              <a:t>11/18/16</a:t>
             </a:fld>
             <a:endParaRPr lang="en-US"/>
           </a:p>
@@ -3164,7 +3164,7 @@
             <a:fld id="{B278104C-11C0-4E08-B957-567B84792C63}" type="datetimeFigureOut">
               <a:rPr lang="en-US" smtClean="0"/>
               <a:pPr/>
-              <a:t>10/14/16</a:t>
+              <a:t>11/18/16</a:t>
             </a:fld>
             <a:endParaRPr lang="en-US"/>
           </a:p>
@@ -3680,11 +3680,7 @@
           <a:p>
             <a:r>
               <a:rPr lang="en-US" dirty="0" smtClean="0"/>
-              <a:t>Use Double List data </a:t>
-            </a:r>
-            <a:r>
-              <a:rPr lang="en-US" dirty="0" smtClean="0"/>
-              <a:t>structure</a:t>
+              <a:t>Use Double List data structure</a:t>
             </a:r>
           </a:p>
           <a:p>
@@ -3700,7 +3696,6 @@
               <a:rPr lang="en-US" dirty="0" smtClean="0"/>
               <a:t> index)</a:t>
             </a:r>
-            <a:endParaRPr lang="en-US" dirty="0" smtClean="0"/>
           </a:p>
           <a:p>
             <a:endParaRPr lang="en-US" dirty="0"/>
@@ -4570,7 +4565,6 @@
               <a:rPr lang="en-US" dirty="0" smtClean="0"/>
               <a:t>()</a:t>
             </a:r>
-            <a:endParaRPr lang="en-US" dirty="0" smtClean="0"/>
           </a:p>
           <a:p>
             <a:r>
@@ -5245,15 +5239,7 @@
           <a:p>
             <a:r>
               <a:rPr lang="en-US" dirty="0" smtClean="0"/>
-              <a:t>Java Collection API provides interfaces and its implemented </a:t>
-            </a:r>
-            <a:r>
-              <a:rPr lang="en-US" dirty="0" smtClean="0"/>
-              <a:t>classes </a:t>
-            </a:r>
-            <a:r>
-              <a:rPr lang="en-US" dirty="0" smtClean="0"/>
-              <a:t>for storing and manipulating data.</a:t>
+              <a:t>Java Collection API provides interfaces and its implemented classes for storing and manipulating data.</a:t>
             </a:r>
           </a:p>
           <a:p>
@@ -5265,7 +5251,27 @@
           <a:p>
             <a:r>
               <a:rPr lang="en-US" dirty="0" smtClean="0"/>
-              <a:t>Example</a:t>
+              <a:t>Example </a:t>
+            </a:r>
+            <a:r>
+              <a:rPr lang="mr-IN" dirty="0" smtClean="0"/>
+              <a:t>–</a:t>
+            </a:r>
+            <a:r>
+              <a:rPr lang="en-US" dirty="0" smtClean="0"/>
+              <a:t> </a:t>
+            </a:r>
+            <a:r>
+              <a:rPr lang="en-US" dirty="0" err="1" smtClean="0"/>
+              <a:t>src</a:t>
+            </a:r>
+            <a:r>
+              <a:rPr lang="en-US" dirty="0" smtClean="0"/>
+              <a:t>/</a:t>
+            </a:r>
+            <a:r>
+              <a:rPr lang="en-US" dirty="0" err="1" smtClean="0"/>
+              <a:t>generalCollection</a:t>
             </a:r>
             <a:endParaRPr lang="en-US" dirty="0"/>
           </a:p>
@@ -5451,7 +5457,6 @@
               <a:rPr lang="en-US" dirty="0" smtClean="0"/>
               <a:t>Implementation - classes</a:t>
             </a:r>
-            <a:endParaRPr lang="en-US" dirty="0" smtClean="0"/>
           </a:p>
           <a:p>
             <a:r>
